--- a/notes/notes/大物/复习2/revpart2.pptx
+++ b/notes/notes/大物/复习2/revpart2.pptx
@@ -5,7 +5,7 @@
     <p:sldMasterId id="2147483660" r:id="rId1"/>
   </p:sldMasterIdLst>
   <p:notesMasterIdLst>
-    <p:notesMasterId r:id="rId20"/>
+    <p:notesMasterId r:id="rId33"/>
   </p:notesMasterIdLst>
   <p:sldIdLst>
     <p:sldId id="257" r:id="rId2"/>
@@ -17,15 +17,28 @@
     <p:sldId id="272" r:id="rId8"/>
     <p:sldId id="271" r:id="rId9"/>
     <p:sldId id="273" r:id="rId10"/>
-    <p:sldId id="274" r:id="rId11"/>
-    <p:sldId id="262" r:id="rId12"/>
-    <p:sldId id="263" r:id="rId13"/>
-    <p:sldId id="264" r:id="rId14"/>
-    <p:sldId id="265" r:id="rId15"/>
-    <p:sldId id="266" r:id="rId16"/>
-    <p:sldId id="267" r:id="rId17"/>
-    <p:sldId id="268" r:id="rId18"/>
-    <p:sldId id="269" r:id="rId19"/>
+    <p:sldId id="262" r:id="rId11"/>
+    <p:sldId id="263" r:id="rId12"/>
+    <p:sldId id="264" r:id="rId13"/>
+    <p:sldId id="274" r:id="rId14"/>
+    <p:sldId id="275" r:id="rId15"/>
+    <p:sldId id="276" r:id="rId16"/>
+    <p:sldId id="265" r:id="rId17"/>
+    <p:sldId id="277" r:id="rId18"/>
+    <p:sldId id="278" r:id="rId19"/>
+    <p:sldId id="266" r:id="rId20"/>
+    <p:sldId id="267" r:id="rId21"/>
+    <p:sldId id="268" r:id="rId22"/>
+    <p:sldId id="269" r:id="rId23"/>
+    <p:sldId id="279" r:id="rId24"/>
+    <p:sldId id="280" r:id="rId25"/>
+    <p:sldId id="281" r:id="rId26"/>
+    <p:sldId id="282" r:id="rId27"/>
+    <p:sldId id="283" r:id="rId28"/>
+    <p:sldId id="284" r:id="rId29"/>
+    <p:sldId id="285" r:id="rId30"/>
+    <p:sldId id="286" r:id="rId31"/>
+    <p:sldId id="288" r:id="rId32"/>
   </p:sldIdLst>
   <p:sldSz cx="9144000" cy="6858000" type="screen4x3"/>
   <p:notesSz cx="6858000" cy="9144000"/>
@@ -214,7 +227,7 @@
           <a:p>
             <a:fld id="{9BFDADED-620D-D24E-82E2-96F000A12D1D}" type="datetimeFigureOut">
               <a:rPr lang="en-CN" smtClean="0"/>
-              <a:t>2023/11/24</a:t>
+              <a:t>2023/11/26</a:t>
             </a:fld>
             <a:endParaRPr lang="en-CN"/>
           </a:p>
@@ -1583,7 +1596,7 @@
           <a:p>
             <a:fld id="{58D30FAB-176C-8449-8796-69F8D9C85B57}" type="datetime1">
               <a:rPr lang="en-US" smtClean="0"/>
-              <a:t>11/24/23</a:t>
+              <a:t>11/26/23</a:t>
             </a:fld>
             <a:endParaRPr lang="en-CN"/>
           </a:p>
@@ -2094,7 +2107,7 @@
             </a:r>
             <a:r>
               <a:rPr kumimoji="1" lang="en-US" altLang="zh-CN" sz="4800" dirty="0"/>
-              <a:t>1</a:t>
+              <a:t>2</a:t>
             </a:r>
             <a:endParaRPr kumimoji="1" lang="zh-CN" altLang="en-US" sz="4800" dirty="0"/>
           </a:p>
@@ -2182,7 +2195,7 @@
           <p:cNvPr id="2" name="Slide Number Placeholder 1">
             <a:extLst>
               <a:ext uri="{FF2B5EF4-FFF2-40B4-BE49-F238E27FC236}">
-                <a16:creationId xmlns:a16="http://schemas.microsoft.com/office/drawing/2014/main" id="{3F227387-3741-556F-9FB4-17336393BF72}"/>
+                <a16:creationId xmlns:a16="http://schemas.microsoft.com/office/drawing/2014/main" id="{10F483B8-B08A-F3CC-F572-E309D6DC26C2}"/>
               </a:ext>
             </a:extLst>
           </p:cNvPr>
@@ -2209,10 +2222,10 @@
       </p:sp>
       <p:sp>
         <p:nvSpPr>
-          <p:cNvPr id="3" name="Title 2">
-            <a:extLst>
-              <a:ext uri="{FF2B5EF4-FFF2-40B4-BE49-F238E27FC236}">
-                <a16:creationId xmlns:a16="http://schemas.microsoft.com/office/drawing/2014/main" id="{CD1DD349-D6E5-AEF4-B27B-2DFDDF19D622}"/>
+          <p:cNvPr id="4" name="Title 3">
+            <a:extLst>
+              <a:ext uri="{FF2B5EF4-FFF2-40B4-BE49-F238E27FC236}">
+                <a16:creationId xmlns:a16="http://schemas.microsoft.com/office/drawing/2014/main" id="{71E35084-234A-DC16-C78E-75C8B54CBBD9}"/>
               </a:ext>
             </a:extLst>
           </p:cNvPr>
@@ -2228,14 +2241,17 @@
           <a:bodyPr/>
           <a:lstStyle/>
           <a:p>
-            <a:endParaRPr kumimoji="1" lang="zh-CN" altLang="en-US"/>
+            <a:r>
+              <a:rPr lang="zh-CN" altLang="en-US" dirty="0"/>
+              <a:t>光的衍射</a:t>
+            </a:r>
           </a:p>
         </p:txBody>
       </p:sp>
     </p:spTree>
     <p:extLst>
       <p:ext uri="{BB962C8B-B14F-4D97-AF65-F5344CB8AC3E}">
-        <p14:creationId xmlns:p14="http://schemas.microsoft.com/office/powerpoint/2010/main" val="627176814"/>
+        <p14:creationId xmlns:p14="http://schemas.microsoft.com/office/powerpoint/2010/main" val="973425626"/>
       </p:ext>
     </p:extLst>
   </p:cSld>
@@ -2267,7 +2283,7 @@
           <p:cNvPr id="2" name="Slide Number Placeholder 1">
             <a:extLst>
               <a:ext uri="{FF2B5EF4-FFF2-40B4-BE49-F238E27FC236}">
-                <a16:creationId xmlns:a16="http://schemas.microsoft.com/office/drawing/2014/main" id="{10F483B8-B08A-F3CC-F572-E309D6DC26C2}"/>
+                <a16:creationId xmlns:a16="http://schemas.microsoft.com/office/drawing/2014/main" id="{A1FBF9FF-0DD0-A115-AAAE-B224CA05DBDB}"/>
               </a:ext>
             </a:extLst>
           </p:cNvPr>
@@ -2287,94 +2303,6 @@
               <a:rPr lang="en-CN" smtClean="0"/>
               <a:pPr/>
               <a:t>11</a:t>
-            </a:fld>
-            <a:endParaRPr lang="en-CN"/>
-          </a:p>
-        </p:txBody>
-      </p:sp>
-      <p:sp>
-        <p:nvSpPr>
-          <p:cNvPr id="4" name="Title 3">
-            <a:extLst>
-              <a:ext uri="{FF2B5EF4-FFF2-40B4-BE49-F238E27FC236}">
-                <a16:creationId xmlns:a16="http://schemas.microsoft.com/office/drawing/2014/main" id="{71E35084-234A-DC16-C78E-75C8B54CBBD9}"/>
-              </a:ext>
-            </a:extLst>
-          </p:cNvPr>
-          <p:cNvSpPr>
-            <a:spLocks noGrp="1"/>
-          </p:cNvSpPr>
-          <p:nvPr>
-            <p:ph type="title"/>
-          </p:nvPr>
-        </p:nvSpPr>
-        <p:spPr/>
-        <p:txBody>
-          <a:bodyPr/>
-          <a:lstStyle/>
-          <a:p>
-            <a:r>
-              <a:rPr lang="zh-CN" altLang="en-US" dirty="0"/>
-              <a:t>光的衍射</a:t>
-            </a:r>
-          </a:p>
-        </p:txBody>
-      </p:sp>
-    </p:spTree>
-    <p:extLst>
-      <p:ext uri="{BB962C8B-B14F-4D97-AF65-F5344CB8AC3E}">
-        <p14:creationId xmlns:p14="http://schemas.microsoft.com/office/powerpoint/2010/main" val="973425626"/>
-      </p:ext>
-    </p:extLst>
-  </p:cSld>
-  <p:clrMapOvr>
-    <a:masterClrMapping/>
-  </p:clrMapOvr>
-</p:sld>
-</file>
-
-<file path=ppt/slides/slide12.xml><?xml version="1.0" encoding="utf-8"?>
-<p:sld xmlns:a="http://schemas.openxmlformats.org/drawingml/2006/main" xmlns:r="http://schemas.openxmlformats.org/officeDocument/2006/relationships" xmlns:p="http://schemas.openxmlformats.org/presentationml/2006/main">
-  <p:cSld>
-    <p:spTree>
-      <p:nvGrpSpPr>
-        <p:cNvPr id="1" name=""/>
-        <p:cNvGrpSpPr/>
-        <p:nvPr/>
-      </p:nvGrpSpPr>
-      <p:grpSpPr>
-        <a:xfrm>
-          <a:off x="0" y="0"/>
-          <a:ext cx="0" cy="0"/>
-          <a:chOff x="0" y="0"/>
-          <a:chExt cx="0" cy="0"/>
-        </a:xfrm>
-      </p:grpSpPr>
-      <p:sp>
-        <p:nvSpPr>
-          <p:cNvPr id="2" name="Slide Number Placeholder 1">
-            <a:extLst>
-              <a:ext uri="{FF2B5EF4-FFF2-40B4-BE49-F238E27FC236}">
-                <a16:creationId xmlns:a16="http://schemas.microsoft.com/office/drawing/2014/main" id="{A1FBF9FF-0DD0-A115-AAAE-B224CA05DBDB}"/>
-              </a:ext>
-            </a:extLst>
-          </p:cNvPr>
-          <p:cNvSpPr>
-            <a:spLocks noGrp="1"/>
-          </p:cNvSpPr>
-          <p:nvPr>
-            <p:ph type="sldNum" sz="quarter" idx="12"/>
-          </p:nvPr>
-        </p:nvSpPr>
-        <p:spPr/>
-        <p:txBody>
-          <a:bodyPr/>
-          <a:lstStyle/>
-          <a:p>
-            <a:fld id="{7A304655-5D53-B746-8252-3F5A598C52D3}" type="slidenum">
-              <a:rPr lang="en-CN" smtClean="0"/>
-              <a:pPr/>
-              <a:t>12</a:t>
             </a:fld>
             <a:endParaRPr lang="en-CN"/>
           </a:p>
@@ -2455,7 +2383,7 @@
 </p:sld>
 </file>
 
-<file path=ppt/slides/slide13.xml><?xml version="1.0" encoding="utf-8"?>
+<file path=ppt/slides/slide12.xml><?xml version="1.0" encoding="utf-8"?>
 <p:sld xmlns:a="http://schemas.openxmlformats.org/drawingml/2006/main" xmlns:r="http://schemas.openxmlformats.org/officeDocument/2006/relationships" xmlns:p="http://schemas.openxmlformats.org/presentationml/2006/main">
   <p:cSld>
     <p:spTree>
@@ -2496,7 +2424,7 @@
             <a:fld id="{7A304655-5D53-B746-8252-3F5A598C52D3}" type="slidenum">
               <a:rPr lang="en-CN" smtClean="0"/>
               <a:pPr/>
-              <a:t>13</a:t>
+              <a:t>12</a:t>
             </a:fld>
             <a:endParaRPr lang="en-CN"/>
           </a:p>
@@ -2573,6 +2501,124 @@
 </p:sld>
 </file>
 
+<file path=ppt/slides/slide13.xml><?xml version="1.0" encoding="utf-8"?>
+<p:sld xmlns:a="http://schemas.openxmlformats.org/drawingml/2006/main" xmlns:r="http://schemas.openxmlformats.org/officeDocument/2006/relationships" xmlns:p="http://schemas.openxmlformats.org/presentationml/2006/main">
+  <p:cSld>
+    <p:spTree>
+      <p:nvGrpSpPr>
+        <p:cNvPr id="1" name=""/>
+        <p:cNvGrpSpPr/>
+        <p:nvPr/>
+      </p:nvGrpSpPr>
+      <p:grpSpPr>
+        <a:xfrm>
+          <a:off x="0" y="0"/>
+          <a:ext cx="0" cy="0"/>
+          <a:chOff x="0" y="0"/>
+          <a:chExt cx="0" cy="0"/>
+        </a:xfrm>
+      </p:grpSpPr>
+      <p:sp>
+        <p:nvSpPr>
+          <p:cNvPr id="2" name="Slide Number Placeholder 1">
+            <a:extLst>
+              <a:ext uri="{FF2B5EF4-FFF2-40B4-BE49-F238E27FC236}">
+                <a16:creationId xmlns:a16="http://schemas.microsoft.com/office/drawing/2014/main" id="{3F227387-3741-556F-9FB4-17336393BF72}"/>
+              </a:ext>
+            </a:extLst>
+          </p:cNvPr>
+          <p:cNvSpPr>
+            <a:spLocks noGrp="1"/>
+          </p:cNvSpPr>
+          <p:nvPr>
+            <p:ph type="sldNum" sz="quarter" idx="12"/>
+          </p:nvPr>
+        </p:nvSpPr>
+        <p:spPr/>
+        <p:txBody>
+          <a:bodyPr/>
+          <a:lstStyle/>
+          <a:p>
+            <a:fld id="{7A304655-5D53-B746-8252-3F5A598C52D3}" type="slidenum">
+              <a:rPr lang="en-CN" smtClean="0"/>
+              <a:pPr/>
+              <a:t>13</a:t>
+            </a:fld>
+            <a:endParaRPr lang="en-CN"/>
+          </a:p>
+        </p:txBody>
+      </p:sp>
+      <p:sp>
+        <p:nvSpPr>
+          <p:cNvPr id="3" name="Title 2">
+            <a:extLst>
+              <a:ext uri="{FF2B5EF4-FFF2-40B4-BE49-F238E27FC236}">
+                <a16:creationId xmlns:a16="http://schemas.microsoft.com/office/drawing/2014/main" id="{CD1DD349-D6E5-AEF4-B27B-2DFDDF19D622}"/>
+              </a:ext>
+            </a:extLst>
+          </p:cNvPr>
+          <p:cNvSpPr>
+            <a:spLocks noGrp="1"/>
+          </p:cNvSpPr>
+          <p:nvPr>
+            <p:ph type="title"/>
+          </p:nvPr>
+        </p:nvSpPr>
+        <p:spPr/>
+        <p:txBody>
+          <a:bodyPr/>
+          <a:lstStyle/>
+          <a:p>
+            <a:r>
+              <a:rPr kumimoji="1" lang="zh-CN" altLang="en-US" dirty="0"/>
+              <a:t>光栅衍射</a:t>
+            </a:r>
+          </a:p>
+        </p:txBody>
+      </p:sp>
+      <p:pic>
+        <p:nvPicPr>
+          <p:cNvPr id="4" name="Picture 3">
+            <a:extLst>
+              <a:ext uri="{FF2B5EF4-FFF2-40B4-BE49-F238E27FC236}">
+                <a16:creationId xmlns:a16="http://schemas.microsoft.com/office/drawing/2014/main" id="{78D68850-7B89-1CE8-5EDD-317FACB0B325}"/>
+              </a:ext>
+            </a:extLst>
+          </p:cNvPr>
+          <p:cNvPicPr>
+            <a:picLocks noChangeAspect="1"/>
+          </p:cNvPicPr>
+          <p:nvPr/>
+        </p:nvPicPr>
+        <p:blipFill>
+          <a:blip r:embed="rId2"/>
+          <a:stretch>
+            <a:fillRect/>
+          </a:stretch>
+        </p:blipFill>
+        <p:spPr>
+          <a:xfrm>
+            <a:off x="628650" y="1215956"/>
+            <a:ext cx="7765774" cy="720186"/>
+          </a:xfrm>
+          <a:prstGeom prst="rect">
+            <a:avLst/>
+          </a:prstGeom>
+        </p:spPr>
+      </p:pic>
+    </p:spTree>
+    <p:extLst>
+      <p:ext uri="{BB962C8B-B14F-4D97-AF65-F5344CB8AC3E}">
+        <p14:creationId xmlns:p14="http://schemas.microsoft.com/office/powerpoint/2010/main" val="627176814"/>
+      </p:ext>
+    </p:extLst>
+  </p:cSld>
+  <p:clrMapOvr>
+    <a:masterClrMapping/>
+  </p:clrMapOvr>
+</p:sld>
+</file>
+
 <file path=ppt/slides/slide14.xml><?xml version="1.0" encoding="utf-8"?>
 <p:sld xmlns:a="http://schemas.openxmlformats.org/drawingml/2006/main" xmlns:r="http://schemas.openxmlformats.org/officeDocument/2006/relationships" xmlns:p="http://schemas.openxmlformats.org/presentationml/2006/main">
   <p:cSld>
@@ -2595,7 +2641,7 @@
           <p:cNvPr id="2" name="Slide Number Placeholder 1">
             <a:extLst>
               <a:ext uri="{FF2B5EF4-FFF2-40B4-BE49-F238E27FC236}">
-                <a16:creationId xmlns:a16="http://schemas.microsoft.com/office/drawing/2014/main" id="{191434CF-7941-3974-EF79-D0CDB743CBEE}"/>
+                <a16:creationId xmlns:a16="http://schemas.microsoft.com/office/drawing/2014/main" id="{41CE0FED-05A5-AA90-012D-1842161AD788}"/>
               </a:ext>
             </a:extLst>
           </p:cNvPr>
@@ -2615,6 +2661,272 @@
               <a:rPr lang="en-CN" smtClean="0"/>
               <a:pPr/>
               <a:t>14</a:t>
+            </a:fld>
+            <a:endParaRPr lang="en-CN"/>
+          </a:p>
+        </p:txBody>
+      </p:sp>
+      <p:sp>
+        <p:nvSpPr>
+          <p:cNvPr id="3" name="Title 2">
+            <a:extLst>
+              <a:ext uri="{FF2B5EF4-FFF2-40B4-BE49-F238E27FC236}">
+                <a16:creationId xmlns:a16="http://schemas.microsoft.com/office/drawing/2014/main" id="{0A3AE6BA-5AA9-72BB-3385-756291A323C5}"/>
+              </a:ext>
+            </a:extLst>
+          </p:cNvPr>
+          <p:cNvSpPr>
+            <a:spLocks noGrp="1"/>
+          </p:cNvSpPr>
+          <p:nvPr>
+            <p:ph type="title"/>
+          </p:nvPr>
+        </p:nvSpPr>
+        <p:spPr/>
+        <p:txBody>
+          <a:bodyPr/>
+          <a:lstStyle/>
+          <a:p>
+            <a:r>
+              <a:rPr kumimoji="1" lang="zh-CN" altLang="en-US" dirty="0"/>
+              <a:t>光栅衍射公式</a:t>
+            </a:r>
+          </a:p>
+        </p:txBody>
+      </p:sp>
+      <p:pic>
+        <p:nvPicPr>
+          <p:cNvPr id="4" name="Picture 3">
+            <a:extLst>
+              <a:ext uri="{FF2B5EF4-FFF2-40B4-BE49-F238E27FC236}">
+                <a16:creationId xmlns:a16="http://schemas.microsoft.com/office/drawing/2014/main" id="{ACE52933-49F8-7FF1-2AEF-535C4FEF956E}"/>
+              </a:ext>
+            </a:extLst>
+          </p:cNvPr>
+          <p:cNvPicPr>
+            <a:picLocks noChangeAspect="1"/>
+          </p:cNvPicPr>
+          <p:nvPr/>
+        </p:nvPicPr>
+        <p:blipFill>
+          <a:blip r:embed="rId2"/>
+          <a:stretch>
+            <a:fillRect/>
+          </a:stretch>
+        </p:blipFill>
+        <p:spPr>
+          <a:xfrm>
+            <a:off x="628650" y="1394703"/>
+            <a:ext cx="7752522" cy="1247295"/>
+          </a:xfrm>
+          <a:prstGeom prst="rect">
+            <a:avLst/>
+          </a:prstGeom>
+        </p:spPr>
+      </p:pic>
+    </p:spTree>
+    <p:extLst>
+      <p:ext uri="{BB962C8B-B14F-4D97-AF65-F5344CB8AC3E}">
+        <p14:creationId xmlns:p14="http://schemas.microsoft.com/office/powerpoint/2010/main" val="3919715567"/>
+      </p:ext>
+    </p:extLst>
+  </p:cSld>
+  <p:clrMapOvr>
+    <a:masterClrMapping/>
+  </p:clrMapOvr>
+</p:sld>
+</file>
+
+<file path=ppt/slides/slide15.xml><?xml version="1.0" encoding="utf-8"?>
+<p:sld xmlns:a="http://schemas.openxmlformats.org/drawingml/2006/main" xmlns:r="http://schemas.openxmlformats.org/officeDocument/2006/relationships" xmlns:p="http://schemas.openxmlformats.org/presentationml/2006/main">
+  <p:cSld>
+    <p:spTree>
+      <p:nvGrpSpPr>
+        <p:cNvPr id="1" name=""/>
+        <p:cNvGrpSpPr/>
+        <p:nvPr/>
+      </p:nvGrpSpPr>
+      <p:grpSpPr>
+        <a:xfrm>
+          <a:off x="0" y="0"/>
+          <a:ext cx="0" cy="0"/>
+          <a:chOff x="0" y="0"/>
+          <a:chExt cx="0" cy="0"/>
+        </a:xfrm>
+      </p:grpSpPr>
+      <p:sp>
+        <p:nvSpPr>
+          <p:cNvPr id="2" name="Slide Number Placeholder 1">
+            <a:extLst>
+              <a:ext uri="{FF2B5EF4-FFF2-40B4-BE49-F238E27FC236}">
+                <a16:creationId xmlns:a16="http://schemas.microsoft.com/office/drawing/2014/main" id="{5DEF174C-FBDC-9CDD-3377-7F64EC200669}"/>
+              </a:ext>
+            </a:extLst>
+          </p:cNvPr>
+          <p:cNvSpPr>
+            <a:spLocks noGrp="1"/>
+          </p:cNvSpPr>
+          <p:nvPr>
+            <p:ph type="sldNum" sz="quarter" idx="12"/>
+          </p:nvPr>
+        </p:nvSpPr>
+        <p:spPr/>
+        <p:txBody>
+          <a:bodyPr/>
+          <a:lstStyle/>
+          <a:p>
+            <a:fld id="{7A304655-5D53-B746-8252-3F5A598C52D3}" type="slidenum">
+              <a:rPr lang="en-CN" smtClean="0"/>
+              <a:pPr/>
+              <a:t>15</a:t>
+            </a:fld>
+            <a:endParaRPr lang="en-CN"/>
+          </a:p>
+        </p:txBody>
+      </p:sp>
+      <p:sp>
+        <p:nvSpPr>
+          <p:cNvPr id="3" name="Title 2">
+            <a:extLst>
+              <a:ext uri="{FF2B5EF4-FFF2-40B4-BE49-F238E27FC236}">
+                <a16:creationId xmlns:a16="http://schemas.microsoft.com/office/drawing/2014/main" id="{ED38DBBE-08E4-A79B-3C0A-1C561F382838}"/>
+              </a:ext>
+            </a:extLst>
+          </p:cNvPr>
+          <p:cNvSpPr>
+            <a:spLocks noGrp="1"/>
+          </p:cNvSpPr>
+          <p:nvPr>
+            <p:ph type="title"/>
+          </p:nvPr>
+        </p:nvSpPr>
+        <p:spPr/>
+        <p:txBody>
+          <a:bodyPr/>
+          <a:lstStyle/>
+          <a:p>
+            <a:r>
+              <a:rPr kumimoji="1" lang="zh-CN" altLang="en-US" dirty="0"/>
+              <a:t>光栅衍射综合</a:t>
+            </a:r>
+          </a:p>
+        </p:txBody>
+      </p:sp>
+      <p:pic>
+        <p:nvPicPr>
+          <p:cNvPr id="4" name="Picture 3">
+            <a:extLst>
+              <a:ext uri="{FF2B5EF4-FFF2-40B4-BE49-F238E27FC236}">
+                <a16:creationId xmlns:a16="http://schemas.microsoft.com/office/drawing/2014/main" id="{CBC3915B-EC94-C4F4-E9E3-C0D7116C1DF3}"/>
+              </a:ext>
+            </a:extLst>
+          </p:cNvPr>
+          <p:cNvPicPr>
+            <a:picLocks noChangeAspect="1"/>
+          </p:cNvPicPr>
+          <p:nvPr/>
+        </p:nvPicPr>
+        <p:blipFill>
+          <a:blip r:embed="rId2"/>
+          <a:stretch>
+            <a:fillRect/>
+          </a:stretch>
+        </p:blipFill>
+        <p:spPr>
+          <a:xfrm>
+            <a:off x="628650" y="1040524"/>
+            <a:ext cx="7886700" cy="1951418"/>
+          </a:xfrm>
+          <a:prstGeom prst="rect">
+            <a:avLst/>
+          </a:prstGeom>
+        </p:spPr>
+      </p:pic>
+      <p:pic>
+        <p:nvPicPr>
+          <p:cNvPr id="5" name="Picture 4">
+            <a:extLst>
+              <a:ext uri="{FF2B5EF4-FFF2-40B4-BE49-F238E27FC236}">
+                <a16:creationId xmlns:a16="http://schemas.microsoft.com/office/drawing/2014/main" id="{212B676D-8F8F-E8B1-B301-8AE4F6B77596}"/>
+              </a:ext>
+            </a:extLst>
+          </p:cNvPr>
+          <p:cNvPicPr>
+            <a:picLocks noChangeAspect="1"/>
+          </p:cNvPicPr>
+          <p:nvPr/>
+        </p:nvPicPr>
+        <p:blipFill>
+          <a:blip r:embed="rId3"/>
+          <a:stretch>
+            <a:fillRect/>
+          </a:stretch>
+        </p:blipFill>
+        <p:spPr>
+          <a:xfrm>
+            <a:off x="4332158" y="2796208"/>
+            <a:ext cx="4183192" cy="2834033"/>
+          </a:xfrm>
+          <a:prstGeom prst="rect">
+            <a:avLst/>
+          </a:prstGeom>
+        </p:spPr>
+      </p:pic>
+    </p:spTree>
+    <p:extLst>
+      <p:ext uri="{BB962C8B-B14F-4D97-AF65-F5344CB8AC3E}">
+        <p14:creationId xmlns:p14="http://schemas.microsoft.com/office/powerpoint/2010/main" val="245708160"/>
+      </p:ext>
+    </p:extLst>
+  </p:cSld>
+  <p:clrMapOvr>
+    <a:masterClrMapping/>
+  </p:clrMapOvr>
+</p:sld>
+</file>
+
+<file path=ppt/slides/slide16.xml><?xml version="1.0" encoding="utf-8"?>
+<p:sld xmlns:a="http://schemas.openxmlformats.org/drawingml/2006/main" xmlns:r="http://schemas.openxmlformats.org/officeDocument/2006/relationships" xmlns:p="http://schemas.openxmlformats.org/presentationml/2006/main">
+  <p:cSld>
+    <p:spTree>
+      <p:nvGrpSpPr>
+        <p:cNvPr id="1" name=""/>
+        <p:cNvGrpSpPr/>
+        <p:nvPr/>
+      </p:nvGrpSpPr>
+      <p:grpSpPr>
+        <a:xfrm>
+          <a:off x="0" y="0"/>
+          <a:ext cx="0" cy="0"/>
+          <a:chOff x="0" y="0"/>
+          <a:chExt cx="0" cy="0"/>
+        </a:xfrm>
+      </p:grpSpPr>
+      <p:sp>
+        <p:nvSpPr>
+          <p:cNvPr id="2" name="Slide Number Placeholder 1">
+            <a:extLst>
+              <a:ext uri="{FF2B5EF4-FFF2-40B4-BE49-F238E27FC236}">
+                <a16:creationId xmlns:a16="http://schemas.microsoft.com/office/drawing/2014/main" id="{191434CF-7941-3974-EF79-D0CDB743CBEE}"/>
+              </a:ext>
+            </a:extLst>
+          </p:cNvPr>
+          <p:cNvSpPr>
+            <a:spLocks noGrp="1"/>
+          </p:cNvSpPr>
+          <p:nvPr>
+            <p:ph type="sldNum" sz="quarter" idx="12"/>
+          </p:nvPr>
+        </p:nvSpPr>
+        <p:spPr/>
+        <p:txBody>
+          <a:bodyPr/>
+          <a:lstStyle/>
+          <a:p>
+            <a:fld id="{7A304655-5D53-B746-8252-3F5A598C52D3}" type="slidenum">
+              <a:rPr lang="en-CN" smtClean="0"/>
+              <a:pPr/>
+              <a:t>16</a:t>
             </a:fld>
             <a:endParaRPr lang="en-CN"/>
           </a:p>
@@ -2691,7 +3003,7 @@
 </p:sld>
 </file>
 
-<file path=ppt/slides/slide15.xml><?xml version="1.0" encoding="utf-8"?>
+<file path=ppt/slides/slide17.xml><?xml version="1.0" encoding="utf-8"?>
 <p:sld xmlns:a="http://schemas.openxmlformats.org/drawingml/2006/main" xmlns:r="http://schemas.openxmlformats.org/officeDocument/2006/relationships" xmlns:p="http://schemas.openxmlformats.org/presentationml/2006/main">
   <p:cSld>
     <p:spTree>
@@ -2713,7 +3025,7 @@
           <p:cNvPr id="2" name="Slide Number Placeholder 1">
             <a:extLst>
               <a:ext uri="{FF2B5EF4-FFF2-40B4-BE49-F238E27FC236}">
-                <a16:creationId xmlns:a16="http://schemas.microsoft.com/office/drawing/2014/main" id="{C84C2A68-023E-0971-F38A-EDF1DD334604}"/>
+                <a16:creationId xmlns:a16="http://schemas.microsoft.com/office/drawing/2014/main" id="{A3D4AAB7-BEFE-C935-9440-E9603C650A05}"/>
               </a:ext>
             </a:extLst>
           </p:cNvPr>
@@ -2732,7 +3044,303 @@
             <a:fld id="{7A304655-5D53-B746-8252-3F5A598C52D3}" type="slidenum">
               <a:rPr lang="en-CN" smtClean="0"/>
               <a:pPr/>
-              <a:t>15</a:t>
+              <a:t>17</a:t>
+            </a:fld>
+            <a:endParaRPr lang="en-CN"/>
+          </a:p>
+        </p:txBody>
+      </p:sp>
+      <p:sp>
+        <p:nvSpPr>
+          <p:cNvPr id="3" name="Title 2">
+            <a:extLst>
+              <a:ext uri="{FF2B5EF4-FFF2-40B4-BE49-F238E27FC236}">
+                <a16:creationId xmlns:a16="http://schemas.microsoft.com/office/drawing/2014/main" id="{E3D885DF-1D8E-D564-195F-76A73EBDD271}"/>
+              </a:ext>
+            </a:extLst>
+          </p:cNvPr>
+          <p:cNvSpPr>
+            <a:spLocks noGrp="1"/>
+          </p:cNvSpPr>
+          <p:nvPr>
+            <p:ph type="title"/>
+          </p:nvPr>
+        </p:nvSpPr>
+        <p:spPr/>
+        <p:txBody>
+          <a:bodyPr/>
+          <a:lstStyle/>
+          <a:p>
+            <a:r>
+              <a:rPr kumimoji="1" lang="zh-CN" altLang="en-US" dirty="0"/>
+              <a:t>光的偏振的性质</a:t>
+            </a:r>
+          </a:p>
+        </p:txBody>
+      </p:sp>
+      <p:pic>
+        <p:nvPicPr>
+          <p:cNvPr id="4" name="Picture 3">
+            <a:extLst>
+              <a:ext uri="{FF2B5EF4-FFF2-40B4-BE49-F238E27FC236}">
+                <a16:creationId xmlns:a16="http://schemas.microsoft.com/office/drawing/2014/main" id="{7476D466-42C1-687B-AF0D-953FA76F2B07}"/>
+              </a:ext>
+            </a:extLst>
+          </p:cNvPr>
+          <p:cNvPicPr>
+            <a:picLocks noChangeAspect="1"/>
+          </p:cNvPicPr>
+          <p:nvPr/>
+        </p:nvPicPr>
+        <p:blipFill>
+          <a:blip r:embed="rId2"/>
+          <a:stretch>
+            <a:fillRect/>
+          </a:stretch>
+        </p:blipFill>
+        <p:spPr>
+          <a:xfrm>
+            <a:off x="628650" y="1225344"/>
+            <a:ext cx="7494933" cy="1806240"/>
+          </a:xfrm>
+          <a:prstGeom prst="rect">
+            <a:avLst/>
+          </a:prstGeom>
+        </p:spPr>
+      </p:pic>
+    </p:spTree>
+    <p:extLst>
+      <p:ext uri="{BB962C8B-B14F-4D97-AF65-F5344CB8AC3E}">
+        <p14:creationId xmlns:p14="http://schemas.microsoft.com/office/powerpoint/2010/main" val="3541521781"/>
+      </p:ext>
+    </p:extLst>
+  </p:cSld>
+  <p:clrMapOvr>
+    <a:masterClrMapping/>
+  </p:clrMapOvr>
+</p:sld>
+</file>
+
+<file path=ppt/slides/slide18.xml><?xml version="1.0" encoding="utf-8"?>
+<p:sld xmlns:a="http://schemas.openxmlformats.org/drawingml/2006/main" xmlns:r="http://schemas.openxmlformats.org/officeDocument/2006/relationships" xmlns:p="http://schemas.openxmlformats.org/presentationml/2006/main">
+  <p:cSld>
+    <p:spTree>
+      <p:nvGrpSpPr>
+        <p:cNvPr id="1" name=""/>
+        <p:cNvGrpSpPr/>
+        <p:nvPr/>
+      </p:nvGrpSpPr>
+      <p:grpSpPr>
+        <a:xfrm>
+          <a:off x="0" y="0"/>
+          <a:ext cx="0" cy="0"/>
+          <a:chOff x="0" y="0"/>
+          <a:chExt cx="0" cy="0"/>
+        </a:xfrm>
+      </p:grpSpPr>
+      <p:sp>
+        <p:nvSpPr>
+          <p:cNvPr id="2" name="Slide Number Placeholder 1">
+            <a:extLst>
+              <a:ext uri="{FF2B5EF4-FFF2-40B4-BE49-F238E27FC236}">
+                <a16:creationId xmlns:a16="http://schemas.microsoft.com/office/drawing/2014/main" id="{1B055309-2958-B6F3-7224-856F0279786C}"/>
+              </a:ext>
+            </a:extLst>
+          </p:cNvPr>
+          <p:cNvSpPr>
+            <a:spLocks noGrp="1"/>
+          </p:cNvSpPr>
+          <p:nvPr>
+            <p:ph type="sldNum" sz="quarter" idx="12"/>
+          </p:nvPr>
+        </p:nvSpPr>
+        <p:spPr/>
+        <p:txBody>
+          <a:bodyPr/>
+          <a:lstStyle/>
+          <a:p>
+            <a:fld id="{7A304655-5D53-B746-8252-3F5A598C52D3}" type="slidenum">
+              <a:rPr lang="en-CN" smtClean="0"/>
+              <a:pPr/>
+              <a:t>18</a:t>
+            </a:fld>
+            <a:endParaRPr lang="en-CN"/>
+          </a:p>
+        </p:txBody>
+      </p:sp>
+      <p:sp>
+        <p:nvSpPr>
+          <p:cNvPr id="3" name="Title 2">
+            <a:extLst>
+              <a:ext uri="{FF2B5EF4-FFF2-40B4-BE49-F238E27FC236}">
+                <a16:creationId xmlns:a16="http://schemas.microsoft.com/office/drawing/2014/main" id="{84F4C836-03CC-F607-CAA2-31FBE64E3C43}"/>
+              </a:ext>
+            </a:extLst>
+          </p:cNvPr>
+          <p:cNvSpPr>
+            <a:spLocks noGrp="1"/>
+          </p:cNvSpPr>
+          <p:nvPr>
+            <p:ph type="title"/>
+          </p:nvPr>
+        </p:nvSpPr>
+        <p:spPr/>
+        <p:txBody>
+          <a:bodyPr/>
+          <a:lstStyle/>
+          <a:p>
+            <a:r>
+              <a:rPr kumimoji="1" lang="zh-CN" altLang="en-US" dirty="0"/>
+              <a:t>布儒斯特定律</a:t>
+            </a:r>
+          </a:p>
+        </p:txBody>
+      </p:sp>
+      <p:pic>
+        <p:nvPicPr>
+          <p:cNvPr id="4" name="Picture 3">
+            <a:extLst>
+              <a:ext uri="{FF2B5EF4-FFF2-40B4-BE49-F238E27FC236}">
+                <a16:creationId xmlns:a16="http://schemas.microsoft.com/office/drawing/2014/main" id="{CD8CFD27-D9A3-686B-3B8C-03E352DD9441}"/>
+              </a:ext>
+            </a:extLst>
+          </p:cNvPr>
+          <p:cNvPicPr>
+            <a:picLocks noChangeAspect="1"/>
+          </p:cNvPicPr>
+          <p:nvPr/>
+        </p:nvPicPr>
+        <p:blipFill>
+          <a:blip r:embed="rId2"/>
+          <a:stretch>
+            <a:fillRect/>
+          </a:stretch>
+        </p:blipFill>
+        <p:spPr>
+          <a:xfrm>
+            <a:off x="628650" y="1076967"/>
+            <a:ext cx="7886700" cy="1200150"/>
+          </a:xfrm>
+          <a:prstGeom prst="rect">
+            <a:avLst/>
+          </a:prstGeom>
+        </p:spPr>
+      </p:pic>
+      <p:pic>
+        <p:nvPicPr>
+          <p:cNvPr id="5" name="Picture 4">
+            <a:extLst>
+              <a:ext uri="{FF2B5EF4-FFF2-40B4-BE49-F238E27FC236}">
+                <a16:creationId xmlns:a16="http://schemas.microsoft.com/office/drawing/2014/main" id="{05090F6A-D084-55CF-4FB0-6B21C473B4AC}"/>
+              </a:ext>
+            </a:extLst>
+          </p:cNvPr>
+          <p:cNvPicPr>
+            <a:picLocks noChangeAspect="1"/>
+          </p:cNvPicPr>
+          <p:nvPr/>
+        </p:nvPicPr>
+        <p:blipFill>
+          <a:blip r:embed="rId3"/>
+          <a:stretch>
+            <a:fillRect/>
+          </a:stretch>
+        </p:blipFill>
+        <p:spPr>
+          <a:xfrm>
+            <a:off x="628650" y="2849327"/>
+            <a:ext cx="7886700" cy="814888"/>
+          </a:xfrm>
+          <a:prstGeom prst="rect">
+            <a:avLst/>
+          </a:prstGeom>
+        </p:spPr>
+      </p:pic>
+      <p:pic>
+        <p:nvPicPr>
+          <p:cNvPr id="6" name="Picture 5">
+            <a:extLst>
+              <a:ext uri="{FF2B5EF4-FFF2-40B4-BE49-F238E27FC236}">
+                <a16:creationId xmlns:a16="http://schemas.microsoft.com/office/drawing/2014/main" id="{4877C08D-814F-2F4E-6C5C-150233C2F4AA}"/>
+              </a:ext>
+            </a:extLst>
+          </p:cNvPr>
+          <p:cNvPicPr>
+            <a:picLocks noChangeAspect="1"/>
+          </p:cNvPicPr>
+          <p:nvPr/>
+        </p:nvPicPr>
+        <p:blipFill>
+          <a:blip r:embed="rId4"/>
+          <a:stretch>
+            <a:fillRect/>
+          </a:stretch>
+        </p:blipFill>
+        <p:spPr>
+          <a:xfrm>
+            <a:off x="628650" y="4631339"/>
+            <a:ext cx="7886700" cy="701639"/>
+          </a:xfrm>
+          <a:prstGeom prst="rect">
+            <a:avLst/>
+          </a:prstGeom>
+        </p:spPr>
+      </p:pic>
+    </p:spTree>
+    <p:extLst>
+      <p:ext uri="{BB962C8B-B14F-4D97-AF65-F5344CB8AC3E}">
+        <p14:creationId xmlns:p14="http://schemas.microsoft.com/office/powerpoint/2010/main" val="1882467418"/>
+      </p:ext>
+    </p:extLst>
+  </p:cSld>
+  <p:clrMapOvr>
+    <a:masterClrMapping/>
+  </p:clrMapOvr>
+</p:sld>
+</file>
+
+<file path=ppt/slides/slide19.xml><?xml version="1.0" encoding="utf-8"?>
+<p:sld xmlns:a="http://schemas.openxmlformats.org/drawingml/2006/main" xmlns:r="http://schemas.openxmlformats.org/officeDocument/2006/relationships" xmlns:p="http://schemas.openxmlformats.org/presentationml/2006/main">
+  <p:cSld>
+    <p:spTree>
+      <p:nvGrpSpPr>
+        <p:cNvPr id="1" name=""/>
+        <p:cNvGrpSpPr/>
+        <p:nvPr/>
+      </p:nvGrpSpPr>
+      <p:grpSpPr>
+        <a:xfrm>
+          <a:off x="0" y="0"/>
+          <a:ext cx="0" cy="0"/>
+          <a:chOff x="0" y="0"/>
+          <a:chExt cx="0" cy="0"/>
+        </a:xfrm>
+      </p:grpSpPr>
+      <p:sp>
+        <p:nvSpPr>
+          <p:cNvPr id="2" name="Slide Number Placeholder 1">
+            <a:extLst>
+              <a:ext uri="{FF2B5EF4-FFF2-40B4-BE49-F238E27FC236}">
+                <a16:creationId xmlns:a16="http://schemas.microsoft.com/office/drawing/2014/main" id="{C84C2A68-023E-0971-F38A-EDF1DD334604}"/>
+              </a:ext>
+            </a:extLst>
+          </p:cNvPr>
+          <p:cNvSpPr>
+            <a:spLocks noGrp="1"/>
+          </p:cNvSpPr>
+          <p:nvPr>
+            <p:ph type="sldNum" sz="quarter" idx="12"/>
+          </p:nvPr>
+        </p:nvSpPr>
+        <p:spPr/>
+        <p:txBody>
+          <a:bodyPr/>
+          <a:lstStyle/>
+          <a:p>
+            <a:fld id="{7A304655-5D53-B746-8252-3F5A598C52D3}" type="slidenum">
+              <a:rPr lang="en-CN" smtClean="0"/>
+              <a:pPr/>
+              <a:t>19</a:t>
             </a:fld>
             <a:endParaRPr lang="en-CN"/>
           </a:p>
@@ -2809,7 +3417,7 @@
 </p:sld>
 </file>
 
-<file path=ppt/slides/slide16.xml><?xml version="1.0" encoding="utf-8"?>
+<file path=ppt/slides/slide2.xml><?xml version="1.0" encoding="utf-8"?>
 <p:sld xmlns:a="http://schemas.openxmlformats.org/drawingml/2006/main" xmlns:r="http://schemas.openxmlformats.org/officeDocument/2006/relationships" xmlns:p="http://schemas.openxmlformats.org/presentationml/2006/main">
   <p:cSld>
     <p:spTree>
@@ -2831,7 +3439,7 @@
           <p:cNvPr id="2" name="Slide Number Placeholder 1">
             <a:extLst>
               <a:ext uri="{FF2B5EF4-FFF2-40B4-BE49-F238E27FC236}">
-                <a16:creationId xmlns:a16="http://schemas.microsoft.com/office/drawing/2014/main" id="{FE12B464-B74B-41E9-C034-E95B0834428C}"/>
+                <a16:creationId xmlns:a16="http://schemas.microsoft.com/office/drawing/2014/main" id="{9762268A-6022-884D-072D-453FD6149BED}"/>
               </a:ext>
             </a:extLst>
           </p:cNvPr>
@@ -2850,7 +3458,95 @@
             <a:fld id="{7A304655-5D53-B746-8252-3F5A598C52D3}" type="slidenum">
               <a:rPr lang="en-CN" smtClean="0"/>
               <a:pPr/>
-              <a:t>16</a:t>
+              <a:t>2</a:t>
+            </a:fld>
+            <a:endParaRPr lang="en-CN"/>
+          </a:p>
+        </p:txBody>
+      </p:sp>
+      <p:sp>
+        <p:nvSpPr>
+          <p:cNvPr id="4" name="Title 3">
+            <a:extLst>
+              <a:ext uri="{FF2B5EF4-FFF2-40B4-BE49-F238E27FC236}">
+                <a16:creationId xmlns:a16="http://schemas.microsoft.com/office/drawing/2014/main" id="{9E514326-1CC3-17CF-3785-8373B339F0EB}"/>
+              </a:ext>
+            </a:extLst>
+          </p:cNvPr>
+          <p:cNvSpPr>
+            <a:spLocks noGrp="1"/>
+          </p:cNvSpPr>
+          <p:nvPr>
+            <p:ph type="title"/>
+          </p:nvPr>
+        </p:nvSpPr>
+        <p:spPr/>
+        <p:txBody>
+          <a:bodyPr/>
+          <a:lstStyle/>
+          <a:p>
+            <a:r>
+              <a:rPr lang="zh-CN" altLang="en-US" dirty="0"/>
+              <a:t>光的干涉</a:t>
+            </a:r>
+          </a:p>
+        </p:txBody>
+      </p:sp>
+    </p:spTree>
+    <p:extLst>
+      <p:ext uri="{BB962C8B-B14F-4D97-AF65-F5344CB8AC3E}">
+        <p14:creationId xmlns:p14="http://schemas.microsoft.com/office/powerpoint/2010/main" val="3958398619"/>
+      </p:ext>
+    </p:extLst>
+  </p:cSld>
+  <p:clrMapOvr>
+    <a:masterClrMapping/>
+  </p:clrMapOvr>
+</p:sld>
+</file>
+
+<file path=ppt/slides/slide20.xml><?xml version="1.0" encoding="utf-8"?>
+<p:sld xmlns:a="http://schemas.openxmlformats.org/drawingml/2006/main" xmlns:r="http://schemas.openxmlformats.org/officeDocument/2006/relationships" xmlns:p="http://schemas.openxmlformats.org/presentationml/2006/main">
+  <p:cSld>
+    <p:spTree>
+      <p:nvGrpSpPr>
+        <p:cNvPr id="1" name=""/>
+        <p:cNvGrpSpPr/>
+        <p:nvPr/>
+      </p:nvGrpSpPr>
+      <p:grpSpPr>
+        <a:xfrm>
+          <a:off x="0" y="0"/>
+          <a:ext cx="0" cy="0"/>
+          <a:chOff x="0" y="0"/>
+          <a:chExt cx="0" cy="0"/>
+        </a:xfrm>
+      </p:grpSpPr>
+      <p:sp>
+        <p:nvSpPr>
+          <p:cNvPr id="2" name="Slide Number Placeholder 1">
+            <a:extLst>
+              <a:ext uri="{FF2B5EF4-FFF2-40B4-BE49-F238E27FC236}">
+                <a16:creationId xmlns:a16="http://schemas.microsoft.com/office/drawing/2014/main" id="{FE12B464-B74B-41E9-C034-E95B0834428C}"/>
+              </a:ext>
+            </a:extLst>
+          </p:cNvPr>
+          <p:cNvSpPr>
+            <a:spLocks noGrp="1"/>
+          </p:cNvSpPr>
+          <p:nvPr>
+            <p:ph type="sldNum" sz="quarter" idx="12"/>
+          </p:nvPr>
+        </p:nvSpPr>
+        <p:spPr/>
+        <p:txBody>
+          <a:bodyPr/>
+          <a:lstStyle/>
+          <a:p>
+            <a:fld id="{7A304655-5D53-B746-8252-3F5A598C52D3}" type="slidenum">
+              <a:rPr lang="en-CN" smtClean="0"/>
+              <a:pPr/>
+              <a:t>20</a:t>
             </a:fld>
             <a:endParaRPr lang="en-CN"/>
           </a:p>
@@ -2957,7 +3653,7 @@
 </p:sld>
 </file>
 
-<file path=ppt/slides/slide17.xml><?xml version="1.0" encoding="utf-8"?>
+<file path=ppt/slides/slide21.xml><?xml version="1.0" encoding="utf-8"?>
 <p:sld xmlns:a="http://schemas.openxmlformats.org/drawingml/2006/main" xmlns:r="http://schemas.openxmlformats.org/officeDocument/2006/relationships" xmlns:p="http://schemas.openxmlformats.org/presentationml/2006/main">
   <p:cSld>
     <p:spTree>
@@ -2998,7 +3694,7 @@
             <a:fld id="{7A304655-5D53-B746-8252-3F5A598C52D3}" type="slidenum">
               <a:rPr lang="en-CN" smtClean="0"/>
               <a:pPr/>
-              <a:t>17</a:t>
+              <a:t>21</a:t>
             </a:fld>
             <a:endParaRPr lang="en-CN"/>
           </a:p>
@@ -3075,7 +3771,7 @@
 </p:sld>
 </file>
 
-<file path=ppt/slides/slide18.xml><?xml version="1.0" encoding="utf-8"?>
+<file path=ppt/slides/slide22.xml><?xml version="1.0" encoding="utf-8"?>
 <p:sld xmlns:a="http://schemas.openxmlformats.org/drawingml/2006/main" xmlns:r="http://schemas.openxmlformats.org/officeDocument/2006/relationships" xmlns:p="http://schemas.openxmlformats.org/presentationml/2006/main">
   <p:cSld>
     <p:spTree>
@@ -3116,7 +3812,7 @@
             <a:fld id="{7A304655-5D53-B746-8252-3F5A598C52D3}" type="slidenum">
               <a:rPr lang="en-CN" smtClean="0"/>
               <a:pPr/>
-              <a:t>18</a:t>
+              <a:t>22</a:t>
             </a:fld>
             <a:endParaRPr lang="en-CN"/>
           </a:p>
@@ -3201,7 +3897,7 @@
 </p:sld>
 </file>
 
-<file path=ppt/slides/slide2.xml><?xml version="1.0" encoding="utf-8"?>
+<file path=ppt/slides/slide23.xml><?xml version="1.0" encoding="utf-8"?>
 <p:sld xmlns:a="http://schemas.openxmlformats.org/drawingml/2006/main" xmlns:r="http://schemas.openxmlformats.org/officeDocument/2006/relationships" xmlns:p="http://schemas.openxmlformats.org/presentationml/2006/main">
   <p:cSld>
     <p:spTree>
@@ -3223,7 +3919,7 @@
           <p:cNvPr id="2" name="Slide Number Placeholder 1">
             <a:extLst>
               <a:ext uri="{FF2B5EF4-FFF2-40B4-BE49-F238E27FC236}">
-                <a16:creationId xmlns:a16="http://schemas.microsoft.com/office/drawing/2014/main" id="{9762268A-6022-884D-072D-453FD6149BED}"/>
+                <a16:creationId xmlns:a16="http://schemas.microsoft.com/office/drawing/2014/main" id="{9F1162D4-CE9F-30FE-CDF3-E351A7CA5B10}"/>
               </a:ext>
             </a:extLst>
           </p:cNvPr>
@@ -3242,7 +3938,7 @@
             <a:fld id="{7A304655-5D53-B746-8252-3F5A598C52D3}" type="slidenum">
               <a:rPr lang="en-CN" smtClean="0"/>
               <a:pPr/>
-              <a:t>2</a:t>
+              <a:t>23</a:t>
             </a:fld>
             <a:endParaRPr lang="en-CN"/>
           </a:p>
@@ -3250,10 +3946,10 @@
       </p:sp>
       <p:sp>
         <p:nvSpPr>
-          <p:cNvPr id="4" name="Title 3">
-            <a:extLst>
-              <a:ext uri="{FF2B5EF4-FFF2-40B4-BE49-F238E27FC236}">
-                <a16:creationId xmlns:a16="http://schemas.microsoft.com/office/drawing/2014/main" id="{9E514326-1CC3-17CF-3785-8373B339F0EB}"/>
+          <p:cNvPr id="3" name="Title 2">
+            <a:extLst>
+              <a:ext uri="{FF2B5EF4-FFF2-40B4-BE49-F238E27FC236}">
+                <a16:creationId xmlns:a16="http://schemas.microsoft.com/office/drawing/2014/main" id="{D0A949B4-F9D3-8115-D1E6-5632A91CA685}"/>
               </a:ext>
             </a:extLst>
           </p:cNvPr>
@@ -3270,16 +3966,784 @@
           <a:lstStyle/>
           <a:p>
             <a:r>
-              <a:rPr lang="zh-CN" altLang="en-US" dirty="0"/>
-              <a:t>光的干涉</a:t>
-            </a:r>
-          </a:p>
-        </p:txBody>
-      </p:sp>
+              <a:rPr kumimoji="1" lang="zh-CN" altLang="en-US" dirty="0"/>
+              <a:t>与电容器结合</a:t>
+            </a:r>
+          </a:p>
+        </p:txBody>
+      </p:sp>
+      <p:pic>
+        <p:nvPicPr>
+          <p:cNvPr id="4" name="Picture 3">
+            <a:extLst>
+              <a:ext uri="{FF2B5EF4-FFF2-40B4-BE49-F238E27FC236}">
+                <a16:creationId xmlns:a16="http://schemas.microsoft.com/office/drawing/2014/main" id="{12B442D4-B361-3E5B-B90E-D23BAFE1763E}"/>
+              </a:ext>
+            </a:extLst>
+          </p:cNvPr>
+          <p:cNvPicPr>
+            <a:picLocks noChangeAspect="1"/>
+          </p:cNvPicPr>
+          <p:nvPr/>
+        </p:nvPicPr>
+        <p:blipFill>
+          <a:blip r:embed="rId2"/>
+          <a:stretch>
+            <a:fillRect/>
+          </a:stretch>
+        </p:blipFill>
+        <p:spPr>
+          <a:xfrm>
+            <a:off x="628650" y="1317169"/>
+            <a:ext cx="7886700" cy="1679639"/>
+          </a:xfrm>
+          <a:prstGeom prst="rect">
+            <a:avLst/>
+          </a:prstGeom>
+        </p:spPr>
+      </p:pic>
+      <p:pic>
+        <p:nvPicPr>
+          <p:cNvPr id="5" name="Picture 4">
+            <a:extLst>
+              <a:ext uri="{FF2B5EF4-FFF2-40B4-BE49-F238E27FC236}">
+                <a16:creationId xmlns:a16="http://schemas.microsoft.com/office/drawing/2014/main" id="{2964E7DF-03F0-97D6-BFD1-90705B8FB117}"/>
+              </a:ext>
+            </a:extLst>
+          </p:cNvPr>
+          <p:cNvPicPr>
+            <a:picLocks noChangeAspect="1"/>
+          </p:cNvPicPr>
+          <p:nvPr/>
+        </p:nvPicPr>
+        <p:blipFill>
+          <a:blip r:embed="rId3"/>
+          <a:stretch>
+            <a:fillRect/>
+          </a:stretch>
+        </p:blipFill>
+        <p:spPr>
+          <a:xfrm>
+            <a:off x="5474529" y="2687175"/>
+            <a:ext cx="2793968" cy="2091359"/>
+          </a:xfrm>
+          <a:prstGeom prst="rect">
+            <a:avLst/>
+          </a:prstGeom>
+        </p:spPr>
+      </p:pic>
     </p:spTree>
     <p:extLst>
       <p:ext uri="{BB962C8B-B14F-4D97-AF65-F5344CB8AC3E}">
-        <p14:creationId xmlns:p14="http://schemas.microsoft.com/office/powerpoint/2010/main" val="3958398619"/>
+        <p14:creationId xmlns:p14="http://schemas.microsoft.com/office/powerpoint/2010/main" val="1103083249"/>
+      </p:ext>
+    </p:extLst>
+  </p:cSld>
+  <p:clrMapOvr>
+    <a:masterClrMapping/>
+  </p:clrMapOvr>
+</p:sld>
+</file>
+
+<file path=ppt/slides/slide24.xml><?xml version="1.0" encoding="utf-8"?>
+<p:sld xmlns:a="http://schemas.openxmlformats.org/drawingml/2006/main" xmlns:r="http://schemas.openxmlformats.org/officeDocument/2006/relationships" xmlns:p="http://schemas.openxmlformats.org/presentationml/2006/main">
+  <p:cSld>
+    <p:spTree>
+      <p:nvGrpSpPr>
+        <p:cNvPr id="1" name=""/>
+        <p:cNvGrpSpPr/>
+        <p:nvPr/>
+      </p:nvGrpSpPr>
+      <p:grpSpPr>
+        <a:xfrm>
+          <a:off x="0" y="0"/>
+          <a:ext cx="0" cy="0"/>
+          <a:chOff x="0" y="0"/>
+          <a:chExt cx="0" cy="0"/>
+        </a:xfrm>
+      </p:grpSpPr>
+      <p:sp>
+        <p:nvSpPr>
+          <p:cNvPr id="2" name="Slide Number Placeholder 1">
+            <a:extLst>
+              <a:ext uri="{FF2B5EF4-FFF2-40B4-BE49-F238E27FC236}">
+                <a16:creationId xmlns:a16="http://schemas.microsoft.com/office/drawing/2014/main" id="{9B4D122C-BEDE-458A-D258-42275B8CAAFB}"/>
+              </a:ext>
+            </a:extLst>
+          </p:cNvPr>
+          <p:cNvSpPr>
+            <a:spLocks noGrp="1"/>
+          </p:cNvSpPr>
+          <p:nvPr>
+            <p:ph type="sldNum" sz="quarter" idx="12"/>
+          </p:nvPr>
+        </p:nvSpPr>
+        <p:spPr/>
+        <p:txBody>
+          <a:bodyPr/>
+          <a:lstStyle/>
+          <a:p>
+            <a:fld id="{7A304655-5D53-B746-8252-3F5A598C52D3}" type="slidenum">
+              <a:rPr lang="en-CN" smtClean="0"/>
+              <a:pPr/>
+              <a:t>24</a:t>
+            </a:fld>
+            <a:endParaRPr lang="en-CN"/>
+          </a:p>
+        </p:txBody>
+      </p:sp>
+      <p:sp>
+        <p:nvSpPr>
+          <p:cNvPr id="3" name="Title 2">
+            <a:extLst>
+              <a:ext uri="{FF2B5EF4-FFF2-40B4-BE49-F238E27FC236}">
+                <a16:creationId xmlns:a16="http://schemas.microsoft.com/office/drawing/2014/main" id="{1620CA04-9D87-21CC-C29E-88A2EA024E7E}"/>
+              </a:ext>
+            </a:extLst>
+          </p:cNvPr>
+          <p:cNvSpPr>
+            <a:spLocks noGrp="1"/>
+          </p:cNvSpPr>
+          <p:nvPr>
+            <p:ph type="title"/>
+          </p:nvPr>
+        </p:nvSpPr>
+        <p:spPr/>
+        <p:txBody>
+          <a:bodyPr/>
+          <a:lstStyle/>
+          <a:p>
+            <a:r>
+              <a:rPr kumimoji="1" lang="zh-CN" altLang="en-US" dirty="0"/>
+              <a:t>初等原子量子论</a:t>
+            </a:r>
+          </a:p>
+        </p:txBody>
+      </p:sp>
+      <p:pic>
+        <p:nvPicPr>
+          <p:cNvPr id="4" name="Picture 3">
+            <a:extLst>
+              <a:ext uri="{FF2B5EF4-FFF2-40B4-BE49-F238E27FC236}">
+                <a16:creationId xmlns:a16="http://schemas.microsoft.com/office/drawing/2014/main" id="{23C69E7C-750A-5BF2-F502-54BB422DB186}"/>
+              </a:ext>
+            </a:extLst>
+          </p:cNvPr>
+          <p:cNvPicPr>
+            <a:picLocks noChangeAspect="1"/>
+          </p:cNvPicPr>
+          <p:nvPr/>
+        </p:nvPicPr>
+        <p:blipFill>
+          <a:blip r:embed="rId2"/>
+          <a:stretch>
+            <a:fillRect/>
+          </a:stretch>
+        </p:blipFill>
+        <p:spPr>
+          <a:xfrm>
+            <a:off x="628650" y="1248632"/>
+            <a:ext cx="6427304" cy="755052"/>
+          </a:xfrm>
+          <a:prstGeom prst="rect">
+            <a:avLst/>
+          </a:prstGeom>
+        </p:spPr>
+      </p:pic>
+    </p:spTree>
+    <p:extLst>
+      <p:ext uri="{BB962C8B-B14F-4D97-AF65-F5344CB8AC3E}">
+        <p14:creationId xmlns:p14="http://schemas.microsoft.com/office/powerpoint/2010/main" val="135318426"/>
+      </p:ext>
+    </p:extLst>
+  </p:cSld>
+  <p:clrMapOvr>
+    <a:masterClrMapping/>
+  </p:clrMapOvr>
+</p:sld>
+</file>
+
+<file path=ppt/slides/slide25.xml><?xml version="1.0" encoding="utf-8"?>
+<p:sld xmlns:a="http://schemas.openxmlformats.org/drawingml/2006/main" xmlns:r="http://schemas.openxmlformats.org/officeDocument/2006/relationships" xmlns:p="http://schemas.openxmlformats.org/presentationml/2006/main">
+  <p:cSld>
+    <p:spTree>
+      <p:nvGrpSpPr>
+        <p:cNvPr id="1" name=""/>
+        <p:cNvGrpSpPr/>
+        <p:nvPr/>
+      </p:nvGrpSpPr>
+      <p:grpSpPr>
+        <a:xfrm>
+          <a:off x="0" y="0"/>
+          <a:ext cx="0" cy="0"/>
+          <a:chOff x="0" y="0"/>
+          <a:chExt cx="0" cy="0"/>
+        </a:xfrm>
+      </p:grpSpPr>
+      <p:sp>
+        <p:nvSpPr>
+          <p:cNvPr id="2" name="Slide Number Placeholder 1">
+            <a:extLst>
+              <a:ext uri="{FF2B5EF4-FFF2-40B4-BE49-F238E27FC236}">
+                <a16:creationId xmlns:a16="http://schemas.microsoft.com/office/drawing/2014/main" id="{522D5574-884F-D816-AAC7-36AAAFF63D25}"/>
+              </a:ext>
+            </a:extLst>
+          </p:cNvPr>
+          <p:cNvSpPr>
+            <a:spLocks noGrp="1"/>
+          </p:cNvSpPr>
+          <p:nvPr>
+            <p:ph type="sldNum" sz="quarter" idx="12"/>
+          </p:nvPr>
+        </p:nvSpPr>
+        <p:spPr/>
+        <p:txBody>
+          <a:bodyPr/>
+          <a:lstStyle/>
+          <a:p>
+            <a:fld id="{7A304655-5D53-B746-8252-3F5A598C52D3}" type="slidenum">
+              <a:rPr lang="en-CN" smtClean="0"/>
+              <a:pPr/>
+              <a:t>25</a:t>
+            </a:fld>
+            <a:endParaRPr lang="en-CN"/>
+          </a:p>
+        </p:txBody>
+      </p:sp>
+      <p:sp>
+        <p:nvSpPr>
+          <p:cNvPr id="3" name="Title 2">
+            <a:extLst>
+              <a:ext uri="{FF2B5EF4-FFF2-40B4-BE49-F238E27FC236}">
+                <a16:creationId xmlns:a16="http://schemas.microsoft.com/office/drawing/2014/main" id="{279667CF-4FE9-6C82-7147-24719A0E2CAA}"/>
+              </a:ext>
+            </a:extLst>
+          </p:cNvPr>
+          <p:cNvSpPr>
+            <a:spLocks noGrp="1"/>
+          </p:cNvSpPr>
+          <p:nvPr>
+            <p:ph type="title"/>
+          </p:nvPr>
+        </p:nvSpPr>
+        <p:spPr/>
+        <p:txBody>
+          <a:bodyPr/>
+          <a:lstStyle/>
+          <a:p>
+            <a:r>
+              <a:rPr kumimoji="1" lang="zh-CN" altLang="en-US" dirty="0"/>
+              <a:t>原子的角动量</a:t>
+            </a:r>
+          </a:p>
+        </p:txBody>
+      </p:sp>
+      <p:pic>
+        <p:nvPicPr>
+          <p:cNvPr id="4" name="Picture 3">
+            <a:extLst>
+              <a:ext uri="{FF2B5EF4-FFF2-40B4-BE49-F238E27FC236}">
+                <a16:creationId xmlns:a16="http://schemas.microsoft.com/office/drawing/2014/main" id="{38911099-9DDA-2B68-6E97-4B08FB4A6A49}"/>
+              </a:ext>
+            </a:extLst>
+          </p:cNvPr>
+          <p:cNvPicPr>
+            <a:picLocks noChangeAspect="1"/>
+          </p:cNvPicPr>
+          <p:nvPr/>
+        </p:nvPicPr>
+        <p:blipFill>
+          <a:blip r:embed="rId2"/>
+          <a:stretch>
+            <a:fillRect/>
+          </a:stretch>
+        </p:blipFill>
+        <p:spPr>
+          <a:xfrm>
+            <a:off x="628650" y="1318967"/>
+            <a:ext cx="7673009" cy="694390"/>
+          </a:xfrm>
+          <a:prstGeom prst="rect">
+            <a:avLst/>
+          </a:prstGeom>
+        </p:spPr>
+      </p:pic>
+    </p:spTree>
+    <p:extLst>
+      <p:ext uri="{BB962C8B-B14F-4D97-AF65-F5344CB8AC3E}">
+        <p14:creationId xmlns:p14="http://schemas.microsoft.com/office/powerpoint/2010/main" val="4118107459"/>
+      </p:ext>
+    </p:extLst>
+  </p:cSld>
+  <p:clrMapOvr>
+    <a:masterClrMapping/>
+  </p:clrMapOvr>
+</p:sld>
+</file>
+
+<file path=ppt/slides/slide26.xml><?xml version="1.0" encoding="utf-8"?>
+<p:sld xmlns:a="http://schemas.openxmlformats.org/drawingml/2006/main" xmlns:r="http://schemas.openxmlformats.org/officeDocument/2006/relationships" xmlns:p="http://schemas.openxmlformats.org/presentationml/2006/main">
+  <p:cSld>
+    <p:spTree>
+      <p:nvGrpSpPr>
+        <p:cNvPr id="1" name=""/>
+        <p:cNvGrpSpPr/>
+        <p:nvPr/>
+      </p:nvGrpSpPr>
+      <p:grpSpPr>
+        <a:xfrm>
+          <a:off x="0" y="0"/>
+          <a:ext cx="0" cy="0"/>
+          <a:chOff x="0" y="0"/>
+          <a:chExt cx="0" cy="0"/>
+        </a:xfrm>
+      </p:grpSpPr>
+      <p:sp>
+        <p:nvSpPr>
+          <p:cNvPr id="2" name="Slide Number Placeholder 1">
+            <a:extLst>
+              <a:ext uri="{FF2B5EF4-FFF2-40B4-BE49-F238E27FC236}">
+                <a16:creationId xmlns:a16="http://schemas.microsoft.com/office/drawing/2014/main" id="{1BDFA56D-4F29-A88E-C3A3-D49533A594F8}"/>
+              </a:ext>
+            </a:extLst>
+          </p:cNvPr>
+          <p:cNvSpPr>
+            <a:spLocks noGrp="1"/>
+          </p:cNvSpPr>
+          <p:nvPr>
+            <p:ph type="sldNum" sz="quarter" idx="12"/>
+          </p:nvPr>
+        </p:nvSpPr>
+        <p:spPr/>
+        <p:txBody>
+          <a:bodyPr/>
+          <a:lstStyle/>
+          <a:p>
+            <a:fld id="{7A304655-5D53-B746-8252-3F5A598C52D3}" type="slidenum">
+              <a:rPr lang="en-CN" smtClean="0"/>
+              <a:pPr/>
+              <a:t>26</a:t>
+            </a:fld>
+            <a:endParaRPr lang="en-CN"/>
+          </a:p>
+        </p:txBody>
+      </p:sp>
+      <p:sp>
+        <p:nvSpPr>
+          <p:cNvPr id="3" name="Title 2">
+            <a:extLst>
+              <a:ext uri="{FF2B5EF4-FFF2-40B4-BE49-F238E27FC236}">
+                <a16:creationId xmlns:a16="http://schemas.microsoft.com/office/drawing/2014/main" id="{F5B7F6C1-1157-5317-1789-265755D93BB1}"/>
+              </a:ext>
+            </a:extLst>
+          </p:cNvPr>
+          <p:cNvSpPr>
+            <a:spLocks noGrp="1"/>
+          </p:cNvSpPr>
+          <p:nvPr>
+            <p:ph type="title"/>
+          </p:nvPr>
+        </p:nvSpPr>
+        <p:spPr/>
+        <p:txBody>
+          <a:bodyPr/>
+          <a:lstStyle/>
+          <a:p>
+            <a:r>
+              <a:rPr kumimoji="1" lang="zh-CN" altLang="en-US" dirty="0"/>
+              <a:t>不确定性关系</a:t>
+            </a:r>
+          </a:p>
+        </p:txBody>
+      </p:sp>
+      <p:pic>
+        <p:nvPicPr>
+          <p:cNvPr id="4" name="Picture 3">
+            <a:extLst>
+              <a:ext uri="{FF2B5EF4-FFF2-40B4-BE49-F238E27FC236}">
+                <a16:creationId xmlns:a16="http://schemas.microsoft.com/office/drawing/2014/main" id="{59FB56B2-352F-9B57-72FB-7A11B2DBD530}"/>
+              </a:ext>
+            </a:extLst>
+          </p:cNvPr>
+          <p:cNvPicPr>
+            <a:picLocks noChangeAspect="1"/>
+          </p:cNvPicPr>
+          <p:nvPr/>
+        </p:nvPicPr>
+        <p:blipFill>
+          <a:blip r:embed="rId2"/>
+          <a:stretch>
+            <a:fillRect/>
+          </a:stretch>
+        </p:blipFill>
+        <p:spPr>
+          <a:xfrm>
+            <a:off x="628650" y="1134206"/>
+            <a:ext cx="7103165" cy="662212"/>
+          </a:xfrm>
+          <a:prstGeom prst="rect">
+            <a:avLst/>
+          </a:prstGeom>
+        </p:spPr>
+      </p:pic>
+    </p:spTree>
+    <p:extLst>
+      <p:ext uri="{BB962C8B-B14F-4D97-AF65-F5344CB8AC3E}">
+        <p14:creationId xmlns:p14="http://schemas.microsoft.com/office/powerpoint/2010/main" val="877760820"/>
+      </p:ext>
+    </p:extLst>
+  </p:cSld>
+  <p:clrMapOvr>
+    <a:masterClrMapping/>
+  </p:clrMapOvr>
+</p:sld>
+</file>
+
+<file path=ppt/slides/slide27.xml><?xml version="1.0" encoding="utf-8"?>
+<p:sld xmlns:a="http://schemas.openxmlformats.org/drawingml/2006/main" xmlns:r="http://schemas.openxmlformats.org/officeDocument/2006/relationships" xmlns:p="http://schemas.openxmlformats.org/presentationml/2006/main">
+  <p:cSld>
+    <p:spTree>
+      <p:nvGrpSpPr>
+        <p:cNvPr id="1" name=""/>
+        <p:cNvGrpSpPr/>
+        <p:nvPr/>
+      </p:nvGrpSpPr>
+      <p:grpSpPr>
+        <a:xfrm>
+          <a:off x="0" y="0"/>
+          <a:ext cx="0" cy="0"/>
+          <a:chOff x="0" y="0"/>
+          <a:chExt cx="0" cy="0"/>
+        </a:xfrm>
+      </p:grpSpPr>
+      <p:sp>
+        <p:nvSpPr>
+          <p:cNvPr id="2" name="Slide Number Placeholder 1">
+            <a:extLst>
+              <a:ext uri="{FF2B5EF4-FFF2-40B4-BE49-F238E27FC236}">
+                <a16:creationId xmlns:a16="http://schemas.microsoft.com/office/drawing/2014/main" id="{2F44FEC9-3880-CBC1-7765-00E8CB19C549}"/>
+              </a:ext>
+            </a:extLst>
+          </p:cNvPr>
+          <p:cNvSpPr>
+            <a:spLocks noGrp="1"/>
+          </p:cNvSpPr>
+          <p:nvPr>
+            <p:ph type="sldNum" sz="quarter" idx="12"/>
+          </p:nvPr>
+        </p:nvSpPr>
+        <p:spPr/>
+        <p:txBody>
+          <a:bodyPr/>
+          <a:lstStyle/>
+          <a:p>
+            <a:fld id="{7A304655-5D53-B746-8252-3F5A598C52D3}" type="slidenum">
+              <a:rPr lang="en-CN" smtClean="0"/>
+              <a:pPr/>
+              <a:t>27</a:t>
+            </a:fld>
+            <a:endParaRPr lang="en-CN"/>
+          </a:p>
+        </p:txBody>
+      </p:sp>
+      <p:sp>
+        <p:nvSpPr>
+          <p:cNvPr id="3" name="Title 2">
+            <a:extLst>
+              <a:ext uri="{FF2B5EF4-FFF2-40B4-BE49-F238E27FC236}">
+                <a16:creationId xmlns:a16="http://schemas.microsoft.com/office/drawing/2014/main" id="{D64476A9-ED6D-91AC-4A6D-C17244280DE5}"/>
+              </a:ext>
+            </a:extLst>
+          </p:cNvPr>
+          <p:cNvSpPr>
+            <a:spLocks noGrp="1"/>
+          </p:cNvSpPr>
+          <p:nvPr>
+            <p:ph type="title"/>
+          </p:nvPr>
+        </p:nvSpPr>
+        <p:spPr/>
+        <p:txBody>
+          <a:bodyPr/>
+          <a:lstStyle/>
+          <a:p>
+            <a:r>
+              <a:rPr kumimoji="1" lang="zh-CN" altLang="en-US" dirty="0"/>
+              <a:t>考虑相对论的情况</a:t>
+            </a:r>
+          </a:p>
+        </p:txBody>
+      </p:sp>
+      <p:pic>
+        <p:nvPicPr>
+          <p:cNvPr id="4" name="Picture 3">
+            <a:extLst>
+              <a:ext uri="{FF2B5EF4-FFF2-40B4-BE49-F238E27FC236}">
+                <a16:creationId xmlns:a16="http://schemas.microsoft.com/office/drawing/2014/main" id="{E794D2CB-DCD1-105A-7F51-FC9F1114A180}"/>
+              </a:ext>
+            </a:extLst>
+          </p:cNvPr>
+          <p:cNvPicPr>
+            <a:picLocks noChangeAspect="1"/>
+          </p:cNvPicPr>
+          <p:nvPr/>
+        </p:nvPicPr>
+        <p:blipFill>
+          <a:blip r:embed="rId2"/>
+          <a:stretch>
+            <a:fillRect/>
+          </a:stretch>
+        </p:blipFill>
+        <p:spPr>
+          <a:xfrm>
+            <a:off x="628650" y="1311589"/>
+            <a:ext cx="7580243" cy="808083"/>
+          </a:xfrm>
+          <a:prstGeom prst="rect">
+            <a:avLst/>
+          </a:prstGeom>
+        </p:spPr>
+      </p:pic>
+    </p:spTree>
+    <p:extLst>
+      <p:ext uri="{BB962C8B-B14F-4D97-AF65-F5344CB8AC3E}">
+        <p14:creationId xmlns:p14="http://schemas.microsoft.com/office/powerpoint/2010/main" val="3214206518"/>
+      </p:ext>
+    </p:extLst>
+  </p:cSld>
+  <p:clrMapOvr>
+    <a:masterClrMapping/>
+  </p:clrMapOvr>
+</p:sld>
+</file>
+
+<file path=ppt/slides/slide28.xml><?xml version="1.0" encoding="utf-8"?>
+<p:sld xmlns:a="http://schemas.openxmlformats.org/drawingml/2006/main" xmlns:r="http://schemas.openxmlformats.org/officeDocument/2006/relationships" xmlns:p="http://schemas.openxmlformats.org/presentationml/2006/main">
+  <p:cSld>
+    <p:spTree>
+      <p:nvGrpSpPr>
+        <p:cNvPr id="1" name=""/>
+        <p:cNvGrpSpPr/>
+        <p:nvPr/>
+      </p:nvGrpSpPr>
+      <p:grpSpPr>
+        <a:xfrm>
+          <a:off x="0" y="0"/>
+          <a:ext cx="0" cy="0"/>
+          <a:chOff x="0" y="0"/>
+          <a:chExt cx="0" cy="0"/>
+        </a:xfrm>
+      </p:grpSpPr>
+      <p:sp>
+        <p:nvSpPr>
+          <p:cNvPr id="2" name="Slide Number Placeholder 1">
+            <a:extLst>
+              <a:ext uri="{FF2B5EF4-FFF2-40B4-BE49-F238E27FC236}">
+                <a16:creationId xmlns:a16="http://schemas.microsoft.com/office/drawing/2014/main" id="{2F44FEC9-3880-CBC1-7765-00E8CB19C549}"/>
+              </a:ext>
+            </a:extLst>
+          </p:cNvPr>
+          <p:cNvSpPr>
+            <a:spLocks noGrp="1"/>
+          </p:cNvSpPr>
+          <p:nvPr>
+            <p:ph type="sldNum" sz="quarter" idx="12"/>
+          </p:nvPr>
+        </p:nvSpPr>
+        <p:spPr/>
+        <p:txBody>
+          <a:bodyPr/>
+          <a:lstStyle/>
+          <a:p>
+            <a:fld id="{7A304655-5D53-B746-8252-3F5A598C52D3}" type="slidenum">
+              <a:rPr lang="en-CN" smtClean="0"/>
+              <a:pPr/>
+              <a:t>28</a:t>
+            </a:fld>
+            <a:endParaRPr lang="en-CN"/>
+          </a:p>
+        </p:txBody>
+      </p:sp>
+      <p:sp>
+        <p:nvSpPr>
+          <p:cNvPr id="3" name="Title 2">
+            <a:extLst>
+              <a:ext uri="{FF2B5EF4-FFF2-40B4-BE49-F238E27FC236}">
+                <a16:creationId xmlns:a16="http://schemas.microsoft.com/office/drawing/2014/main" id="{D64476A9-ED6D-91AC-4A6D-C17244280DE5}"/>
+              </a:ext>
+            </a:extLst>
+          </p:cNvPr>
+          <p:cNvSpPr>
+            <a:spLocks noGrp="1"/>
+          </p:cNvSpPr>
+          <p:nvPr>
+            <p:ph type="title"/>
+          </p:nvPr>
+        </p:nvSpPr>
+        <p:spPr/>
+        <p:txBody>
+          <a:bodyPr/>
+          <a:lstStyle/>
+          <a:p>
+            <a:r>
+              <a:rPr kumimoji="1" lang="zh-CN" altLang="en-US" dirty="0"/>
+              <a:t>考虑相对论的情况</a:t>
+            </a:r>
+          </a:p>
+        </p:txBody>
+      </p:sp>
+      <p:pic>
+        <p:nvPicPr>
+          <p:cNvPr id="5" name="Picture 4">
+            <a:extLst>
+              <a:ext uri="{FF2B5EF4-FFF2-40B4-BE49-F238E27FC236}">
+                <a16:creationId xmlns:a16="http://schemas.microsoft.com/office/drawing/2014/main" id="{CC14ACBC-2B7A-8B60-BAC2-AD79B11C5D99}"/>
+              </a:ext>
+            </a:extLst>
+          </p:cNvPr>
+          <p:cNvPicPr>
+            <a:picLocks noChangeAspect="1"/>
+          </p:cNvPicPr>
+          <p:nvPr/>
+        </p:nvPicPr>
+        <p:blipFill>
+          <a:blip r:embed="rId2"/>
+          <a:stretch>
+            <a:fillRect/>
+          </a:stretch>
+        </p:blipFill>
+        <p:spPr>
+          <a:xfrm>
+            <a:off x="628650" y="1262453"/>
+            <a:ext cx="7288696" cy="411677"/>
+          </a:xfrm>
+          <a:prstGeom prst="rect">
+            <a:avLst/>
+          </a:prstGeom>
+        </p:spPr>
+      </p:pic>
+    </p:spTree>
+    <p:extLst>
+      <p:ext uri="{BB962C8B-B14F-4D97-AF65-F5344CB8AC3E}">
+        <p14:creationId xmlns:p14="http://schemas.microsoft.com/office/powerpoint/2010/main" val="800058349"/>
+      </p:ext>
+    </p:extLst>
+  </p:cSld>
+  <p:clrMapOvr>
+    <a:masterClrMapping/>
+  </p:clrMapOvr>
+</p:sld>
+</file>
+
+<file path=ppt/slides/slide29.xml><?xml version="1.0" encoding="utf-8"?>
+<p:sld xmlns:a="http://schemas.openxmlformats.org/drawingml/2006/main" xmlns:r="http://schemas.openxmlformats.org/officeDocument/2006/relationships" xmlns:p="http://schemas.openxmlformats.org/presentationml/2006/main">
+  <p:cSld>
+    <p:spTree>
+      <p:nvGrpSpPr>
+        <p:cNvPr id="1" name=""/>
+        <p:cNvGrpSpPr/>
+        <p:nvPr/>
+      </p:nvGrpSpPr>
+      <p:grpSpPr>
+        <a:xfrm>
+          <a:off x="0" y="0"/>
+          <a:ext cx="0" cy="0"/>
+          <a:chOff x="0" y="0"/>
+          <a:chExt cx="0" cy="0"/>
+        </a:xfrm>
+      </p:grpSpPr>
+      <p:sp>
+        <p:nvSpPr>
+          <p:cNvPr id="2" name="Slide Number Placeholder 1">
+            <a:extLst>
+              <a:ext uri="{FF2B5EF4-FFF2-40B4-BE49-F238E27FC236}">
+                <a16:creationId xmlns:a16="http://schemas.microsoft.com/office/drawing/2014/main" id="{6ADC7313-15A7-7107-2B63-475BE50F2CCD}"/>
+              </a:ext>
+            </a:extLst>
+          </p:cNvPr>
+          <p:cNvSpPr>
+            <a:spLocks noGrp="1"/>
+          </p:cNvSpPr>
+          <p:nvPr>
+            <p:ph type="sldNum" sz="quarter" idx="12"/>
+          </p:nvPr>
+        </p:nvSpPr>
+        <p:spPr/>
+        <p:txBody>
+          <a:bodyPr/>
+          <a:lstStyle/>
+          <a:p>
+            <a:fld id="{7A304655-5D53-B746-8252-3F5A598C52D3}" type="slidenum">
+              <a:rPr lang="en-CN" smtClean="0"/>
+              <a:pPr/>
+              <a:t>29</a:t>
+            </a:fld>
+            <a:endParaRPr lang="en-CN"/>
+          </a:p>
+        </p:txBody>
+      </p:sp>
+      <p:sp>
+        <p:nvSpPr>
+          <p:cNvPr id="3" name="Title 2">
+            <a:extLst>
+              <a:ext uri="{FF2B5EF4-FFF2-40B4-BE49-F238E27FC236}">
+                <a16:creationId xmlns:a16="http://schemas.microsoft.com/office/drawing/2014/main" id="{7F708D33-FB3E-624B-BBFF-DF8E5D8AA719}"/>
+              </a:ext>
+            </a:extLst>
+          </p:cNvPr>
+          <p:cNvSpPr>
+            <a:spLocks noGrp="1"/>
+          </p:cNvSpPr>
+          <p:nvPr>
+            <p:ph type="title"/>
+          </p:nvPr>
+        </p:nvSpPr>
+        <p:spPr/>
+        <p:txBody>
+          <a:bodyPr/>
+          <a:lstStyle/>
+          <a:p>
+            <a:r>
+              <a:rPr kumimoji="1" lang="zh-CN" altLang="en-US" dirty="0"/>
+              <a:t>不确定量</a:t>
+            </a:r>
+          </a:p>
+        </p:txBody>
+      </p:sp>
+      <p:pic>
+        <p:nvPicPr>
+          <p:cNvPr id="4" name="Picture 3">
+            <a:extLst>
+              <a:ext uri="{FF2B5EF4-FFF2-40B4-BE49-F238E27FC236}">
+                <a16:creationId xmlns:a16="http://schemas.microsoft.com/office/drawing/2014/main" id="{8B7C41A5-FA69-BC66-CB5D-72A5E4880F85}"/>
+              </a:ext>
+            </a:extLst>
+          </p:cNvPr>
+          <p:cNvPicPr>
+            <a:picLocks noChangeAspect="1"/>
+          </p:cNvPicPr>
+          <p:nvPr/>
+        </p:nvPicPr>
+        <p:blipFill>
+          <a:blip r:embed="rId2"/>
+          <a:stretch>
+            <a:fillRect/>
+          </a:stretch>
+        </p:blipFill>
+        <p:spPr>
+          <a:xfrm>
+            <a:off x="628650" y="1286972"/>
+            <a:ext cx="7434470" cy="724827"/>
+          </a:xfrm>
+          <a:prstGeom prst="rect">
+            <a:avLst/>
+          </a:prstGeom>
+        </p:spPr>
+      </p:pic>
+    </p:spTree>
+    <p:extLst>
+      <p:ext uri="{BB962C8B-B14F-4D97-AF65-F5344CB8AC3E}">
+        <p14:creationId xmlns:p14="http://schemas.microsoft.com/office/powerpoint/2010/main" val="3372205518"/>
       </p:ext>
     </p:extLst>
   </p:cSld>
@@ -3482,6 +4946,272 @@
     <p:extLst>
       <p:ext uri="{BB962C8B-B14F-4D97-AF65-F5344CB8AC3E}">
         <p14:creationId xmlns:p14="http://schemas.microsoft.com/office/powerpoint/2010/main" val="2104531283"/>
+      </p:ext>
+    </p:extLst>
+  </p:cSld>
+  <p:clrMapOvr>
+    <a:masterClrMapping/>
+  </p:clrMapOvr>
+</p:sld>
+</file>
+
+<file path=ppt/slides/slide30.xml><?xml version="1.0" encoding="utf-8"?>
+<p:sld xmlns:a="http://schemas.openxmlformats.org/drawingml/2006/main" xmlns:r="http://schemas.openxmlformats.org/officeDocument/2006/relationships" xmlns:p="http://schemas.openxmlformats.org/presentationml/2006/main">
+  <p:cSld>
+    <p:spTree>
+      <p:nvGrpSpPr>
+        <p:cNvPr id="1" name=""/>
+        <p:cNvGrpSpPr/>
+        <p:nvPr/>
+      </p:nvGrpSpPr>
+      <p:grpSpPr>
+        <a:xfrm>
+          <a:off x="0" y="0"/>
+          <a:ext cx="0" cy="0"/>
+          <a:chOff x="0" y="0"/>
+          <a:chExt cx="0" cy="0"/>
+        </a:xfrm>
+      </p:grpSpPr>
+      <p:sp>
+        <p:nvSpPr>
+          <p:cNvPr id="2" name="Slide Number Placeholder 1">
+            <a:extLst>
+              <a:ext uri="{FF2B5EF4-FFF2-40B4-BE49-F238E27FC236}">
+                <a16:creationId xmlns:a16="http://schemas.microsoft.com/office/drawing/2014/main" id="{377B5F22-8F66-6D4D-F42D-29B20E08A833}"/>
+              </a:ext>
+            </a:extLst>
+          </p:cNvPr>
+          <p:cNvSpPr>
+            <a:spLocks noGrp="1"/>
+          </p:cNvSpPr>
+          <p:nvPr>
+            <p:ph type="sldNum" sz="quarter" idx="12"/>
+          </p:nvPr>
+        </p:nvSpPr>
+        <p:spPr/>
+        <p:txBody>
+          <a:bodyPr/>
+          <a:lstStyle/>
+          <a:p>
+            <a:fld id="{7A304655-5D53-B746-8252-3F5A598C52D3}" type="slidenum">
+              <a:rPr lang="en-CN" smtClean="0"/>
+              <a:pPr/>
+              <a:t>30</a:t>
+            </a:fld>
+            <a:endParaRPr lang="en-CN"/>
+          </a:p>
+        </p:txBody>
+      </p:sp>
+      <p:sp>
+        <p:nvSpPr>
+          <p:cNvPr id="3" name="Title 2">
+            <a:extLst>
+              <a:ext uri="{FF2B5EF4-FFF2-40B4-BE49-F238E27FC236}">
+                <a16:creationId xmlns:a16="http://schemas.microsoft.com/office/drawing/2014/main" id="{E73BD430-AD69-2EF5-0264-D35FA9126F95}"/>
+              </a:ext>
+            </a:extLst>
+          </p:cNvPr>
+          <p:cNvSpPr>
+            <a:spLocks noGrp="1"/>
+          </p:cNvSpPr>
+          <p:nvPr>
+            <p:ph type="title"/>
+          </p:nvPr>
+        </p:nvSpPr>
+        <p:spPr/>
+        <p:txBody>
+          <a:bodyPr/>
+          <a:lstStyle/>
+          <a:p>
+            <a:r>
+              <a:rPr kumimoji="1" lang="zh-CN" altLang="en-US" dirty="0"/>
+              <a:t>波函数的意义</a:t>
+            </a:r>
+          </a:p>
+        </p:txBody>
+      </p:sp>
+      <p:pic>
+        <p:nvPicPr>
+          <p:cNvPr id="4" name="Picture 3">
+            <a:extLst>
+              <a:ext uri="{FF2B5EF4-FFF2-40B4-BE49-F238E27FC236}">
+                <a16:creationId xmlns:a16="http://schemas.microsoft.com/office/drawing/2014/main" id="{3C58782A-ECA4-5720-AB3C-2422C943341F}"/>
+              </a:ext>
+            </a:extLst>
+          </p:cNvPr>
+          <p:cNvPicPr>
+            <a:picLocks noChangeAspect="1"/>
+          </p:cNvPicPr>
+          <p:nvPr/>
+        </p:nvPicPr>
+        <p:blipFill>
+          <a:blip r:embed="rId2"/>
+          <a:stretch>
+            <a:fillRect/>
+          </a:stretch>
+        </p:blipFill>
+        <p:spPr>
+          <a:xfrm>
+            <a:off x="628650" y="1266574"/>
+            <a:ext cx="6573078" cy="1051220"/>
+          </a:xfrm>
+          <a:prstGeom prst="rect">
+            <a:avLst/>
+          </a:prstGeom>
+        </p:spPr>
+      </p:pic>
+    </p:spTree>
+    <p:extLst>
+      <p:ext uri="{BB962C8B-B14F-4D97-AF65-F5344CB8AC3E}">
+        <p14:creationId xmlns:p14="http://schemas.microsoft.com/office/powerpoint/2010/main" val="2725035415"/>
+      </p:ext>
+    </p:extLst>
+  </p:cSld>
+  <p:clrMapOvr>
+    <a:masterClrMapping/>
+  </p:clrMapOvr>
+</p:sld>
+</file>
+
+<file path=ppt/slides/slide31.xml><?xml version="1.0" encoding="utf-8"?>
+<p:sld xmlns:a="http://schemas.openxmlformats.org/drawingml/2006/main" xmlns:r="http://schemas.openxmlformats.org/officeDocument/2006/relationships" xmlns:p="http://schemas.openxmlformats.org/presentationml/2006/main">
+  <p:cSld>
+    <p:spTree>
+      <p:nvGrpSpPr>
+        <p:cNvPr id="1" name=""/>
+        <p:cNvGrpSpPr/>
+        <p:nvPr/>
+      </p:nvGrpSpPr>
+      <p:grpSpPr>
+        <a:xfrm>
+          <a:off x="0" y="0"/>
+          <a:ext cx="0" cy="0"/>
+          <a:chOff x="0" y="0"/>
+          <a:chExt cx="0" cy="0"/>
+        </a:xfrm>
+      </p:grpSpPr>
+      <p:sp>
+        <p:nvSpPr>
+          <p:cNvPr id="2" name="Slide Number Placeholder 1">
+            <a:extLst>
+              <a:ext uri="{FF2B5EF4-FFF2-40B4-BE49-F238E27FC236}">
+                <a16:creationId xmlns:a16="http://schemas.microsoft.com/office/drawing/2014/main" id="{86D39249-711B-562A-8730-6346E83FCE20}"/>
+              </a:ext>
+            </a:extLst>
+          </p:cNvPr>
+          <p:cNvSpPr>
+            <a:spLocks noGrp="1"/>
+          </p:cNvSpPr>
+          <p:nvPr>
+            <p:ph type="sldNum" sz="quarter" idx="12"/>
+          </p:nvPr>
+        </p:nvSpPr>
+        <p:spPr/>
+        <p:txBody>
+          <a:bodyPr/>
+          <a:lstStyle/>
+          <a:p>
+            <a:fld id="{7A304655-5D53-B746-8252-3F5A598C52D3}" type="slidenum">
+              <a:rPr lang="en-CN" smtClean="0"/>
+              <a:pPr/>
+              <a:t>31</a:t>
+            </a:fld>
+            <a:endParaRPr lang="en-CN"/>
+          </a:p>
+        </p:txBody>
+      </p:sp>
+      <p:sp>
+        <p:nvSpPr>
+          <p:cNvPr id="3" name="Title 2">
+            <a:extLst>
+              <a:ext uri="{FF2B5EF4-FFF2-40B4-BE49-F238E27FC236}">
+                <a16:creationId xmlns:a16="http://schemas.microsoft.com/office/drawing/2014/main" id="{FACFDA65-5B2F-7208-A402-907C99481CF3}"/>
+              </a:ext>
+            </a:extLst>
+          </p:cNvPr>
+          <p:cNvSpPr>
+            <a:spLocks noGrp="1"/>
+          </p:cNvSpPr>
+          <p:nvPr>
+            <p:ph type="title"/>
+          </p:nvPr>
+        </p:nvSpPr>
+        <p:spPr/>
+        <p:txBody>
+          <a:bodyPr/>
+          <a:lstStyle/>
+          <a:p>
+            <a:r>
+              <a:rPr kumimoji="1" lang="zh-CN" altLang="en-US" dirty="0"/>
+              <a:t>量子力学概念</a:t>
+            </a:r>
+          </a:p>
+        </p:txBody>
+      </p:sp>
+      <p:pic>
+        <p:nvPicPr>
+          <p:cNvPr id="4" name="Picture 3">
+            <a:extLst>
+              <a:ext uri="{FF2B5EF4-FFF2-40B4-BE49-F238E27FC236}">
+                <a16:creationId xmlns:a16="http://schemas.microsoft.com/office/drawing/2014/main" id="{E9ECB237-3B22-8B37-962F-765DFD49BAB0}"/>
+              </a:ext>
+            </a:extLst>
+          </p:cNvPr>
+          <p:cNvPicPr>
+            <a:picLocks noChangeAspect="1"/>
+          </p:cNvPicPr>
+          <p:nvPr/>
+        </p:nvPicPr>
+        <p:blipFill>
+          <a:blip r:embed="rId2"/>
+          <a:stretch>
+            <a:fillRect/>
+          </a:stretch>
+        </p:blipFill>
+        <p:spPr>
+          <a:xfrm>
+            <a:off x="628650" y="1081289"/>
+            <a:ext cx="6427304" cy="1069280"/>
+          </a:xfrm>
+          <a:prstGeom prst="rect">
+            <a:avLst/>
+          </a:prstGeom>
+        </p:spPr>
+      </p:pic>
+      <p:pic>
+        <p:nvPicPr>
+          <p:cNvPr id="5" name="Picture 4">
+            <a:extLst>
+              <a:ext uri="{FF2B5EF4-FFF2-40B4-BE49-F238E27FC236}">
+                <a16:creationId xmlns:a16="http://schemas.microsoft.com/office/drawing/2014/main" id="{BAE8CA80-9FF9-BBDE-32CD-7749CB7A21AD}"/>
+              </a:ext>
+            </a:extLst>
+          </p:cNvPr>
+          <p:cNvPicPr>
+            <a:picLocks noChangeAspect="1"/>
+          </p:cNvPicPr>
+          <p:nvPr/>
+        </p:nvPicPr>
+        <p:blipFill>
+          <a:blip r:embed="rId3"/>
+          <a:stretch>
+            <a:fillRect/>
+          </a:stretch>
+        </p:blipFill>
+        <p:spPr>
+          <a:xfrm>
+            <a:off x="536713" y="3619986"/>
+            <a:ext cx="8070574" cy="823528"/>
+          </a:xfrm>
+          <a:prstGeom prst="rect">
+            <a:avLst/>
+          </a:prstGeom>
+        </p:spPr>
+      </p:pic>
+    </p:spTree>
+    <p:extLst>
+      <p:ext uri="{BB962C8B-B14F-4D97-AF65-F5344CB8AC3E}">
+        <p14:creationId xmlns:p14="http://schemas.microsoft.com/office/powerpoint/2010/main" val="1001530837"/>
       </p:ext>
     </p:extLst>
   </p:cSld>
